--- a/20151104760_lucheng_BooksManagementSystem/毕设材料/20151104760 路城 开题报告PPT.pptx
+++ b/20151104760_lucheng_BooksManagementSystem/毕设材料/20151104760 路城 开题报告PPT.pptx
@@ -14206,7 +14206,7 @@
                   </a:solidFill>
                   <a:sym typeface="Arial" panose="020B0604020202020204" pitchFamily="34" charset="0"/>
                 </a:rPr>
-                <a:t>绪论</a:t>
+                <a:t>选题研究</a:t>
               </a:r>
               <a:endParaRPr lang="zh-CN" altLang="en-US" sz="3200" dirty="0">
                 <a:solidFill>
@@ -15100,9 +15100,13 @@
           <a:p>
             <a:r>
               <a:rPr lang="en-US" altLang="zh-CN"/>
-              <a:t>1. 绪论</a:t>
+              <a:t>1.</a:t>
             </a:r>
-            <a:endParaRPr lang="en-US" altLang="zh-CN"/>
+            <a:r>
+              <a:rPr lang="zh-CN" altLang="en-US"/>
+              <a:t>选题研究</a:t>
+            </a:r>
+            <a:endParaRPr lang="zh-CN" altLang="en-US"/>
           </a:p>
         </p:txBody>
       </p:sp>
@@ -19839,11 +19843,7 @@
             </a:r>
             <a:r>
               <a:rPr lang="en-US" altLang="zh-CN"/>
-              <a:t>4</a:t>
-            </a:r>
-            <a:r>
-              <a:rPr lang="en-US" altLang="zh-CN"/>
-              <a:t>.2</a:t>
+              <a:t>4.2</a:t>
             </a:r>
             <a:r>
               <a:rPr lang="zh-CN" altLang="en-US"/>
